--- a/AI系/教師なし学習.pptx
+++ b/AI系/教師なし学習.pptx
@@ -107,6 +107,11 @@
       </a:defRPr>
     </a:lvl9pPr>
   </p:defaultTextStyle>
+  <p:extLst>
+    <p:ext uri="{EFAFB233-063F-42B5-8137-9DF3F51BA10A}">
+      <p15:sldGuideLst xmlns:p15="http://schemas.microsoft.com/office/powerpoint/2012/main"/>
+    </p:ext>
+  </p:extLst>
 </p:presentation>
 </file>
 
@@ -241,7 +246,7 @@
           <a:p>
             <a:fld id="{B5709ADD-268C-49C5-BA5A-93FDD78F9C03}" type="datetimeFigureOut">
               <a:rPr kumimoji="1" lang="ja-JP" altLang="en-US" smtClean="0"/>
-              <a:t>2019/6/18</a:t>
+              <a:t>2019/6/19</a:t>
             </a:fld>
             <a:endParaRPr kumimoji="1" lang="ja-JP" altLang="en-US"/>
           </a:p>
@@ -443,7 +448,7 @@
           <a:p>
             <a:fld id="{B5709ADD-268C-49C5-BA5A-93FDD78F9C03}" type="datetimeFigureOut">
               <a:rPr kumimoji="1" lang="ja-JP" altLang="en-US" smtClean="0"/>
-              <a:t>2019/6/18</a:t>
+              <a:t>2019/6/19</a:t>
             </a:fld>
             <a:endParaRPr kumimoji="1" lang="ja-JP" altLang="en-US"/>
           </a:p>
@@ -655,7 +660,7 @@
           <a:p>
             <a:fld id="{B5709ADD-268C-49C5-BA5A-93FDD78F9C03}" type="datetimeFigureOut">
               <a:rPr kumimoji="1" lang="ja-JP" altLang="en-US" smtClean="0"/>
-              <a:t>2019/6/18</a:t>
+              <a:t>2019/6/19</a:t>
             </a:fld>
             <a:endParaRPr kumimoji="1" lang="ja-JP" altLang="en-US"/>
           </a:p>
@@ -857,7 +862,7 @@
           <a:p>
             <a:fld id="{B5709ADD-268C-49C5-BA5A-93FDD78F9C03}" type="datetimeFigureOut">
               <a:rPr kumimoji="1" lang="ja-JP" altLang="en-US" smtClean="0"/>
-              <a:t>2019/6/18</a:t>
+              <a:t>2019/6/19</a:t>
             </a:fld>
             <a:endParaRPr kumimoji="1" lang="ja-JP" altLang="en-US"/>
           </a:p>
@@ -1101,7 +1106,7 @@
           <a:p>
             <a:fld id="{B5709ADD-268C-49C5-BA5A-93FDD78F9C03}" type="datetimeFigureOut">
               <a:rPr kumimoji="1" lang="ja-JP" altLang="en-US" smtClean="0"/>
-              <a:t>2019/6/18</a:t>
+              <a:t>2019/6/19</a:t>
             </a:fld>
             <a:endParaRPr kumimoji="1" lang="ja-JP" altLang="en-US"/>
           </a:p>
@@ -1397,7 +1402,7 @@
           <a:p>
             <a:fld id="{B5709ADD-268C-49C5-BA5A-93FDD78F9C03}" type="datetimeFigureOut">
               <a:rPr kumimoji="1" lang="ja-JP" altLang="en-US" smtClean="0"/>
-              <a:t>2019/6/18</a:t>
+              <a:t>2019/6/19</a:t>
             </a:fld>
             <a:endParaRPr kumimoji="1" lang="ja-JP" altLang="en-US"/>
           </a:p>
@@ -1828,7 +1833,7 @@
           <a:p>
             <a:fld id="{B5709ADD-268C-49C5-BA5A-93FDD78F9C03}" type="datetimeFigureOut">
               <a:rPr kumimoji="1" lang="ja-JP" altLang="en-US" smtClean="0"/>
-              <a:t>2019/6/18</a:t>
+              <a:t>2019/6/19</a:t>
             </a:fld>
             <a:endParaRPr kumimoji="1" lang="ja-JP" altLang="en-US"/>
           </a:p>
@@ -1946,7 +1951,7 @@
           <a:p>
             <a:fld id="{B5709ADD-268C-49C5-BA5A-93FDD78F9C03}" type="datetimeFigureOut">
               <a:rPr kumimoji="1" lang="ja-JP" altLang="en-US" smtClean="0"/>
-              <a:t>2019/6/18</a:t>
+              <a:t>2019/6/19</a:t>
             </a:fld>
             <a:endParaRPr kumimoji="1" lang="ja-JP" altLang="en-US"/>
           </a:p>
@@ -2041,7 +2046,7 @@
           <a:p>
             <a:fld id="{B5709ADD-268C-49C5-BA5A-93FDD78F9C03}" type="datetimeFigureOut">
               <a:rPr kumimoji="1" lang="ja-JP" altLang="en-US" smtClean="0"/>
-              <a:t>2019/6/18</a:t>
+              <a:t>2019/6/19</a:t>
             </a:fld>
             <a:endParaRPr kumimoji="1" lang="ja-JP" altLang="en-US"/>
           </a:p>
@@ -2350,7 +2355,7 @@
           <a:p>
             <a:fld id="{B5709ADD-268C-49C5-BA5A-93FDD78F9C03}" type="datetimeFigureOut">
               <a:rPr kumimoji="1" lang="ja-JP" altLang="en-US" smtClean="0"/>
-              <a:t>2019/6/18</a:t>
+              <a:t>2019/6/19</a:t>
             </a:fld>
             <a:endParaRPr kumimoji="1" lang="ja-JP" altLang="en-US"/>
           </a:p>
@@ -2607,7 +2612,7 @@
           <a:p>
             <a:fld id="{B5709ADD-268C-49C5-BA5A-93FDD78F9C03}" type="datetimeFigureOut">
               <a:rPr kumimoji="1" lang="ja-JP" altLang="en-US" smtClean="0"/>
-              <a:t>2019/6/18</a:t>
+              <a:t>2019/6/19</a:t>
             </a:fld>
             <a:endParaRPr kumimoji="1" lang="ja-JP" altLang="en-US"/>
           </a:p>
@@ -2852,7 +2857,7 @@
           <a:p>
             <a:fld id="{B5709ADD-268C-49C5-BA5A-93FDD78F9C03}" type="datetimeFigureOut">
               <a:rPr kumimoji="1" lang="ja-JP" altLang="en-US" smtClean="0"/>
-              <a:t>2019/6/18</a:t>
+              <a:t>2019/6/19</a:t>
             </a:fld>
             <a:endParaRPr kumimoji="1" lang="ja-JP" altLang="en-US"/>
           </a:p>
@@ -3491,6 +3496,53 @@
           </a:p>
         </p:txBody>
       </p:sp>
+      <p:pic>
+        <p:nvPicPr>
+          <p:cNvPr id="1026" name="Picture 2" descr="https://camo.qiitausercontent.com/9a5efb055f4365132b55def7af8b1ec3e50b1637/68747470733a2f2f71696974612d696d6167652d73746f72652e73332e616d617a6f6e6177732e636f6d2f302f3130353333352f31323235656139332d623838352d643562382d306435362d3164333133376366643035382e706e67">
+            <a:extLst>
+              <a:ext uri="{FF2B5EF4-FFF2-40B4-BE49-F238E27FC236}">
+                <a16:creationId xmlns:a16="http://schemas.microsoft.com/office/drawing/2014/main" id="{0DC5A65B-3968-4A68-B95A-2572130016D8}"/>
+              </a:ext>
+            </a:extLst>
+          </p:cNvPr>
+          <p:cNvPicPr>
+            <a:picLocks noChangeAspect="1" noChangeArrowheads="1"/>
+          </p:cNvPicPr>
+          <p:nvPr/>
+        </p:nvPicPr>
+        <p:blipFill>
+          <a:blip r:embed="rId2">
+            <a:extLst>
+              <a:ext uri="{28A0092B-C50C-407E-A947-70E740481C1C}">
+                <a14:useLocalDpi xmlns:a14="http://schemas.microsoft.com/office/drawing/2010/main" val="0"/>
+              </a:ext>
+            </a:extLst>
+          </a:blip>
+          <a:srcRect/>
+          <a:stretch>
+            <a:fillRect/>
+          </a:stretch>
+        </p:blipFill>
+        <p:spPr bwMode="auto">
+          <a:xfrm>
+            <a:off x="2795587" y="3620341"/>
+            <a:ext cx="3552825" cy="2486025"/>
+          </a:xfrm>
+          <a:prstGeom prst="rect">
+            <a:avLst/>
+          </a:prstGeom>
+          <a:noFill/>
+          <a:extLst>
+            <a:ext uri="{909E8E84-426E-40DD-AFC4-6F175D3DCCD1}">
+              <a14:hiddenFill xmlns:a14="http://schemas.microsoft.com/office/drawing/2010/main">
+                <a:solidFill>
+                  <a:srgbClr val="FFFFFF"/>
+                </a:solidFill>
+              </a14:hiddenFill>
+            </a:ext>
+          </a:extLst>
+        </p:spPr>
+      </p:pic>
     </p:spTree>
     <p:extLst>
       <p:ext uri="{BB962C8B-B14F-4D97-AF65-F5344CB8AC3E}">
@@ -3544,7 +3596,7 @@
           <a:p>
             <a:r>
               <a:rPr kumimoji="1" lang="ja-JP" altLang="en-US" dirty="0"/>
-              <a:t>主成分分析</a:t>
+              <a:t>主成分分析（ＰＣＡ）</a:t>
             </a:r>
           </a:p>
         </p:txBody>
@@ -3571,9 +3623,20 @@
           <a:lstStyle/>
           <a:p>
             <a:r>
-              <a:rPr kumimoji="1" lang="ja-JP" altLang="en-US" dirty="0"/>
-              <a:t>データの特徴量間の関係性（相関）を分析することで、データの構造をつかむ手法</a:t>
-            </a:r>
+              <a:rPr lang="ja-JP" altLang="en-US" dirty="0"/>
+              <a:t>結果に影響する複数の要因から、どの要因がどれだけ影響を及ぼすのか、寄与率を計算して主な要因を割り出す</a:t>
+            </a:r>
+            <a:endParaRPr lang="en-US" altLang="ja-JP" dirty="0"/>
+          </a:p>
+          <a:p>
+            <a:endParaRPr kumimoji="1" lang="en-US" altLang="ja-JP" dirty="0"/>
+          </a:p>
+          <a:p>
+            <a:r>
+              <a:rPr lang="ja-JP" altLang="en-US" dirty="0"/>
+              <a:t>モデルの次元を落とすのに用いる</a:t>
+            </a:r>
+            <a:endParaRPr kumimoji="1" lang="en-US" altLang="ja-JP" dirty="0"/>
           </a:p>
         </p:txBody>
       </p:sp>
